--- a/spa-rest-api-system-design-on-aws/img/work.pptx
+++ b/spa-rest-api-system-design-on-aws/img/work.pptx
@@ -112,7 +112,7 @@
   </p:defaultTextStyle>
   <p:extLst>
     <p:ext uri="{EFAFB233-063F-42B5-8137-9DF3F51BA10A}">
-      <p15:sldGuideLst xmlns="" xmlns:p15="http://schemas.microsoft.com/office/powerpoint/2012/main">
+      <p15:sldGuideLst xmlns:p15="http://schemas.microsoft.com/office/powerpoint/2012/main" xmlns="">
         <p15:guide id="1" orient="horz" pos="2160">
           <p15:clr>
             <a:srgbClr val="A4A3A4"/>
@@ -211,7 +211,7 @@
           <a:p>
             <a:fld id="{639C780B-C37C-4C8E-9214-BB76D3E2E242}" type="datetimeFigureOut">
               <a:rPr kumimoji="1" lang="ja-JP" altLang="en-US" smtClean="0"/>
-              <a:t>2019/2/1</a:t>
+              <a:t>2019/2/15</a:t>
             </a:fld>
             <a:endParaRPr kumimoji="1" lang="ja-JP" altLang="en-US"/>
           </a:p>
@@ -5369,42 +5369,6 @@
       </p:sp>
       <p:cxnSp>
         <p:nvCxnSpPr>
-          <p:cNvPr id="57" name="直線矢印コネクタ 56"/>
-          <p:cNvCxnSpPr/>
-          <p:nvPr/>
-        </p:nvCxnSpPr>
-        <p:spPr>
-          <a:xfrm flipH="1">
-            <a:off x="4552118" y="2569737"/>
-            <a:ext cx="757443" cy="1526107"/>
-          </a:xfrm>
-          <a:prstGeom prst="straightConnector1">
-            <a:avLst/>
-          </a:prstGeom>
-          <a:ln w="15875">
-            <a:solidFill>
-              <a:schemeClr val="tx1"/>
-            </a:solidFill>
-            <a:tailEnd type="triangle"/>
-          </a:ln>
-        </p:spPr>
-        <p:style>
-          <a:lnRef idx="1">
-            <a:schemeClr val="accent1"/>
-          </a:lnRef>
-          <a:fillRef idx="0">
-            <a:schemeClr val="accent1"/>
-          </a:fillRef>
-          <a:effectRef idx="0">
-            <a:schemeClr val="accent1"/>
-          </a:effectRef>
-          <a:fontRef idx="minor">
-            <a:schemeClr val="tx1"/>
-          </a:fontRef>
-        </p:style>
-      </p:cxnSp>
-      <p:cxnSp>
-        <p:nvCxnSpPr>
           <p:cNvPr id="58" name="直線矢印コネクタ 57"/>
           <p:cNvCxnSpPr/>
           <p:nvPr/>
@@ -5454,6 +5418,42 @@
             <a:avLst/>
           </a:prstGeom>
           <a:ln w="15875">
+            <a:solidFill>
+              <a:schemeClr val="tx1"/>
+            </a:solidFill>
+            <a:tailEnd type="triangle"/>
+          </a:ln>
+        </p:spPr>
+        <p:style>
+          <a:lnRef idx="1">
+            <a:schemeClr val="accent1"/>
+          </a:lnRef>
+          <a:fillRef idx="0">
+            <a:schemeClr val="accent1"/>
+          </a:fillRef>
+          <a:effectRef idx="0">
+            <a:schemeClr val="accent1"/>
+          </a:effectRef>
+          <a:fontRef idx="minor">
+            <a:schemeClr val="tx1"/>
+          </a:fontRef>
+        </p:style>
+      </p:cxnSp>
+      <p:cxnSp>
+        <p:nvCxnSpPr>
+          <p:cNvPr id="3" name="カギ線コネクタ 2"/>
+          <p:cNvCxnSpPr/>
+          <p:nvPr/>
+        </p:nvCxnSpPr>
+        <p:spPr>
+          <a:xfrm rot="16200000" flipH="1">
+            <a:off x="2723142" y="3061589"/>
+            <a:ext cx="1658488" cy="1273138"/>
+          </a:xfrm>
+          <a:prstGeom prst="bentConnector2">
+            <a:avLst/>
+          </a:prstGeom>
+          <a:ln w="19050">
             <a:solidFill>
               <a:schemeClr val="tx1"/>
             </a:solidFill>
@@ -6407,42 +6407,6 @@
       </p:sp>
       <p:cxnSp>
         <p:nvCxnSpPr>
-          <p:cNvPr id="103" name="直線矢印コネクタ 102"/>
-          <p:cNvCxnSpPr/>
-          <p:nvPr/>
-        </p:nvCxnSpPr>
-        <p:spPr>
-          <a:xfrm flipH="1">
-            <a:off x="2604332" y="2510601"/>
-            <a:ext cx="757443" cy="1526107"/>
-          </a:xfrm>
-          <a:prstGeom prst="straightConnector1">
-            <a:avLst/>
-          </a:prstGeom>
-          <a:ln w="15875">
-            <a:solidFill>
-              <a:schemeClr val="tx1"/>
-            </a:solidFill>
-            <a:tailEnd type="triangle"/>
-          </a:ln>
-        </p:spPr>
-        <p:style>
-          <a:lnRef idx="1">
-            <a:schemeClr val="accent1"/>
-          </a:lnRef>
-          <a:fillRef idx="0">
-            <a:schemeClr val="accent1"/>
-          </a:fillRef>
-          <a:effectRef idx="0">
-            <a:schemeClr val="accent1"/>
-          </a:effectRef>
-          <a:fontRef idx="minor">
-            <a:schemeClr val="tx1"/>
-          </a:fontRef>
-        </p:style>
-      </p:cxnSp>
-      <p:cxnSp>
-        <p:nvCxnSpPr>
           <p:cNvPr id="104" name="直線矢印コネクタ 103"/>
           <p:cNvCxnSpPr/>
           <p:nvPr/>
@@ -7040,6 +7004,42 @@
           </a:p>
         </p:txBody>
       </p:sp>
+      <p:cxnSp>
+        <p:nvCxnSpPr>
+          <p:cNvPr id="47" name="カギ線コネクタ 46"/>
+          <p:cNvCxnSpPr/>
+          <p:nvPr/>
+        </p:nvCxnSpPr>
+        <p:spPr>
+          <a:xfrm rot="16200000" flipH="1">
+            <a:off x="747661" y="2995665"/>
+            <a:ext cx="1658488" cy="1273138"/>
+          </a:xfrm>
+          <a:prstGeom prst="bentConnector2">
+            <a:avLst/>
+          </a:prstGeom>
+          <a:ln w="9525">
+            <a:solidFill>
+              <a:schemeClr val="tx1"/>
+            </a:solidFill>
+            <a:tailEnd type="triangle"/>
+          </a:ln>
+        </p:spPr>
+        <p:style>
+          <a:lnRef idx="1">
+            <a:schemeClr val="accent1"/>
+          </a:lnRef>
+          <a:fillRef idx="0">
+            <a:schemeClr val="accent1"/>
+          </a:fillRef>
+          <a:effectRef idx="0">
+            <a:schemeClr val="accent1"/>
+          </a:effectRef>
+          <a:fontRef idx="minor">
+            <a:schemeClr val="tx1"/>
+          </a:fontRef>
+        </p:style>
+      </p:cxnSp>
     </p:spTree>
     <p:extLst>
       <p:ext uri="{BB962C8B-B14F-4D97-AF65-F5344CB8AC3E}">
